--- a/06-Arrays.pptx
+++ b/06-Arrays.pptx
@@ -5,7 +5,7 @@
     <p:sldMasterId id="2147483648" r:id="rId1"/>
   </p:sldMasterIdLst>
   <p:notesMasterIdLst>
-    <p:notesMasterId r:id="rId19"/>
+    <p:notesMasterId r:id="rId20"/>
   </p:notesMasterIdLst>
   <p:sldIdLst>
     <p:sldId id="256" r:id="rId2"/>
@@ -22,9 +22,10 @@
     <p:sldId id="309" r:id="rId13"/>
     <p:sldId id="321" r:id="rId14"/>
     <p:sldId id="310" r:id="rId15"/>
-    <p:sldId id="330" r:id="rId16"/>
-    <p:sldId id="268" r:id="rId17"/>
-    <p:sldId id="333" r:id="rId18"/>
+    <p:sldId id="348" r:id="rId16"/>
+    <p:sldId id="330" r:id="rId17"/>
+    <p:sldId id="268" r:id="rId18"/>
+    <p:sldId id="333" r:id="rId19"/>
   </p:sldIdLst>
   <p:sldSz cx="9144000" cy="6858000" type="screen4x3"/>
   <p:notesSz cx="6858000" cy="9144000"/>
@@ -224,7 +225,7 @@
           <a:p>
             <a:fld id="{1A052DDE-B79B-4585-97B6-DCDE6083B029}" type="datetimeFigureOut">
               <a:rPr lang="bg-BG" smtClean="0"/>
-              <a:t>25.6.2015 г.</a:t>
+              <a:t>5.1.2016 г.</a:t>
             </a:fld>
             <a:endParaRPr lang="bg-BG"/>
           </a:p>
@@ -757,7 +758,7 @@
           <a:p>
             <a:fld id="{3EA744D9-3FBE-48D8-BF2A-85DF203E4D20}" type="datetimeFigureOut">
               <a:rPr lang="bg-BG" smtClean="0"/>
-              <a:t>25.6.2015 г.</a:t>
+              <a:t>5.1.2016 г.</a:t>
             </a:fld>
             <a:endParaRPr lang="bg-BG"/>
           </a:p>
@@ -927,7 +928,7 @@
           <a:p>
             <a:fld id="{3EA744D9-3FBE-48D8-BF2A-85DF203E4D20}" type="datetimeFigureOut">
               <a:rPr lang="bg-BG" smtClean="0"/>
-              <a:t>25.6.2015 г.</a:t>
+              <a:t>5.1.2016 г.</a:t>
             </a:fld>
             <a:endParaRPr lang="bg-BG"/>
           </a:p>
@@ -1107,7 +1108,7 @@
           <a:p>
             <a:fld id="{3EA744D9-3FBE-48D8-BF2A-85DF203E4D20}" type="datetimeFigureOut">
               <a:rPr lang="bg-BG" smtClean="0"/>
-              <a:t>25.6.2015 г.</a:t>
+              <a:t>5.1.2016 г.</a:t>
             </a:fld>
             <a:endParaRPr lang="bg-BG"/>
           </a:p>
@@ -1277,7 +1278,7 @@
           <a:p>
             <a:fld id="{3EA744D9-3FBE-48D8-BF2A-85DF203E4D20}" type="datetimeFigureOut">
               <a:rPr lang="bg-BG" smtClean="0"/>
-              <a:t>25.6.2015 г.</a:t>
+              <a:t>5.1.2016 г.</a:t>
             </a:fld>
             <a:endParaRPr lang="bg-BG"/>
           </a:p>
@@ -1523,7 +1524,7 @@
           <a:p>
             <a:fld id="{3EA744D9-3FBE-48D8-BF2A-85DF203E4D20}" type="datetimeFigureOut">
               <a:rPr lang="bg-BG" smtClean="0"/>
-              <a:t>25.6.2015 г.</a:t>
+              <a:t>5.1.2016 г.</a:t>
             </a:fld>
             <a:endParaRPr lang="bg-BG"/>
           </a:p>
@@ -1811,7 +1812,7 @@
           <a:p>
             <a:fld id="{3EA744D9-3FBE-48D8-BF2A-85DF203E4D20}" type="datetimeFigureOut">
               <a:rPr lang="bg-BG" smtClean="0"/>
-              <a:t>25.6.2015 г.</a:t>
+              <a:t>5.1.2016 г.</a:t>
             </a:fld>
             <a:endParaRPr lang="bg-BG"/>
           </a:p>
@@ -2233,7 +2234,7 @@
           <a:p>
             <a:fld id="{3EA744D9-3FBE-48D8-BF2A-85DF203E4D20}" type="datetimeFigureOut">
               <a:rPr lang="bg-BG" smtClean="0"/>
-              <a:t>25.6.2015 г.</a:t>
+              <a:t>5.1.2016 г.</a:t>
             </a:fld>
             <a:endParaRPr lang="bg-BG"/>
           </a:p>
@@ -2351,7 +2352,7 @@
           <a:p>
             <a:fld id="{3EA744D9-3FBE-48D8-BF2A-85DF203E4D20}" type="datetimeFigureOut">
               <a:rPr lang="bg-BG" smtClean="0"/>
-              <a:t>25.6.2015 г.</a:t>
+              <a:t>5.1.2016 г.</a:t>
             </a:fld>
             <a:endParaRPr lang="bg-BG"/>
           </a:p>
@@ -2446,7 +2447,7 @@
           <a:p>
             <a:fld id="{3EA744D9-3FBE-48D8-BF2A-85DF203E4D20}" type="datetimeFigureOut">
               <a:rPr lang="bg-BG" smtClean="0"/>
-              <a:t>25.6.2015 г.</a:t>
+              <a:t>5.1.2016 г.</a:t>
             </a:fld>
             <a:endParaRPr lang="bg-BG"/>
           </a:p>
@@ -2723,7 +2724,7 @@
           <a:p>
             <a:fld id="{3EA744D9-3FBE-48D8-BF2A-85DF203E4D20}" type="datetimeFigureOut">
               <a:rPr lang="bg-BG" smtClean="0"/>
-              <a:t>25.6.2015 г.</a:t>
+              <a:t>5.1.2016 г.</a:t>
             </a:fld>
             <a:endParaRPr lang="bg-BG"/>
           </a:p>
@@ -2976,7 +2977,7 @@
           <a:p>
             <a:fld id="{3EA744D9-3FBE-48D8-BF2A-85DF203E4D20}" type="datetimeFigureOut">
               <a:rPr lang="bg-BG" smtClean="0"/>
-              <a:t>25.6.2015 г.</a:t>
+              <a:t>5.1.2016 г.</a:t>
             </a:fld>
             <a:endParaRPr lang="bg-BG"/>
           </a:p>
@@ -3198,7 +3199,7 @@
           <a:p>
             <a:fld id="{3EA744D9-3FBE-48D8-BF2A-85DF203E4D20}" type="datetimeFigureOut">
               <a:rPr lang="bg-BG" smtClean="0"/>
-              <a:t>25.6.2015 г.</a:t>
+              <a:t>5.1.2016 г.</a:t>
             </a:fld>
             <a:endParaRPr lang="bg-BG"/>
           </a:p>
@@ -4641,6 +4642,129 @@
             <p:ph type="title"/>
           </p:nvPr>
         </p:nvSpPr>
+        <p:spPr/>
+        <p:txBody>
+          <a:bodyPr/>
+          <a:lstStyle/>
+          <a:p>
+            <a:r>
+              <a:rPr lang="bg-BG" dirty="0">
+                <a:solidFill>
+                  <a:schemeClr val="accent6"/>
+                </a:solidFill>
+              </a:rPr>
+              <a:t>Задача</a:t>
+            </a:r>
+            <a:endParaRPr lang="en-US" dirty="0"/>
+          </a:p>
+        </p:txBody>
+      </p:sp>
+      <p:sp>
+        <p:nvSpPr>
+          <p:cNvPr id="3" name="Content Placeholder 2"/>
+          <p:cNvSpPr>
+            <a:spLocks noGrp="1"/>
+          </p:cNvSpPr>
+          <p:nvPr>
+            <p:ph idx="1"/>
+          </p:nvPr>
+        </p:nvSpPr>
+        <p:spPr/>
+        <p:txBody>
+          <a:bodyPr/>
+          <a:lstStyle/>
+          <a:p>
+            <a:pPr marL="0" indent="0">
+              <a:buNone/>
+            </a:pPr>
+            <a:r>
+              <a:rPr lang="bg-BG" dirty="0" smtClean="0">
+                <a:solidFill>
+                  <a:schemeClr val="bg1"/>
+                </a:solidFill>
+              </a:rPr>
+              <a:t>Напишете програма която приема число за размер на масив от цели числа. След това, използвайки </a:t>
+            </a:r>
+            <a:r>
+              <a:rPr lang="en-US" dirty="0" smtClean="0">
+                <a:solidFill>
+                  <a:schemeClr val="bg1"/>
+                </a:solidFill>
+              </a:rPr>
+              <a:t>FOR </a:t>
+            </a:r>
+            <a:r>
+              <a:rPr lang="bg-BG" dirty="0" smtClean="0">
+                <a:solidFill>
+                  <a:schemeClr val="bg1"/>
+                </a:solidFill>
+              </a:rPr>
+              <a:t>попълнете елементите от масива, и използвайки </a:t>
+            </a:r>
+            <a:r>
+              <a:rPr lang="en-US" dirty="0" smtClean="0">
+                <a:solidFill>
+                  <a:schemeClr val="bg1"/>
+                </a:solidFill>
+              </a:rPr>
+              <a:t>FOREACH </a:t>
+            </a:r>
+            <a:r>
+              <a:rPr lang="bg-BG" dirty="0" smtClean="0">
+                <a:solidFill>
+                  <a:schemeClr val="bg1"/>
+                </a:solidFill>
+              </a:rPr>
+              <a:t>ги отпечатайте на екрана.</a:t>
+            </a:r>
+            <a:endParaRPr lang="en-US" dirty="0">
+              <a:solidFill>
+                <a:schemeClr val="bg1"/>
+              </a:solidFill>
+            </a:endParaRPr>
+          </a:p>
+        </p:txBody>
+      </p:sp>
+    </p:spTree>
+    <p:extLst>
+      <p:ext uri="{BB962C8B-B14F-4D97-AF65-F5344CB8AC3E}">
+        <p14:creationId xmlns:p14="http://schemas.microsoft.com/office/powerpoint/2010/main" val="1498100301"/>
+      </p:ext>
+    </p:extLst>
+  </p:cSld>
+  <p:clrMapOvr>
+    <a:masterClrMapping/>
+  </p:clrMapOvr>
+</p:sld>
+</file>
+
+<file path=ppt/slides/slide16.xml><?xml version="1.0" encoding="utf-8"?>
+<p:sld xmlns:a="http://schemas.openxmlformats.org/drawingml/2006/main" xmlns:r="http://schemas.openxmlformats.org/officeDocument/2006/relationships" xmlns:p="http://schemas.openxmlformats.org/presentationml/2006/main">
+  <p:cSld>
+    <p:spTree>
+      <p:nvGrpSpPr>
+        <p:cNvPr id="1" name=""/>
+        <p:cNvGrpSpPr/>
+        <p:nvPr/>
+      </p:nvGrpSpPr>
+      <p:grpSpPr>
+        <a:xfrm>
+          <a:off x="0" y="0"/>
+          <a:ext cx="0" cy="0"/>
+          <a:chOff x="0" y="0"/>
+          <a:chExt cx="0" cy="0"/>
+        </a:xfrm>
+      </p:grpSpPr>
+      <p:sp>
+        <p:nvSpPr>
+          <p:cNvPr id="2" name="Title 1"/>
+          <p:cNvSpPr>
+            <a:spLocks noGrp="1"/>
+          </p:cNvSpPr>
+          <p:nvPr>
+            <p:ph type="title"/>
+          </p:nvPr>
+        </p:nvSpPr>
         <p:spPr>
           <a:xfrm>
             <a:off x="838200" y="685800"/>
@@ -4836,7 +4960,7 @@
 </p:sld>
 </file>
 
-<file path=ppt/slides/slide16.xml><?xml version="1.0" encoding="utf-8"?>
+<file path=ppt/slides/slide17.xml><?xml version="1.0" encoding="utf-8"?>
 <p:sld xmlns:a="http://schemas.openxmlformats.org/drawingml/2006/main" xmlns:r="http://schemas.openxmlformats.org/officeDocument/2006/relationships" xmlns:p="http://schemas.openxmlformats.org/presentationml/2006/main">
   <p:cSld>
     <p:spTree>
@@ -5019,7 +5143,7 @@
 </p:sld>
 </file>
 
-<file path=ppt/slides/slide17.xml><?xml version="1.0" encoding="utf-8"?>
+<file path=ppt/slides/slide18.xml><?xml version="1.0" encoding="utf-8"?>
 <p:sld xmlns:a="http://schemas.openxmlformats.org/drawingml/2006/main" xmlns:r="http://schemas.openxmlformats.org/officeDocument/2006/relationships" xmlns:p="http://schemas.openxmlformats.org/presentationml/2006/main">
   <p:cSld>
     <p:spTree>
@@ -8202,17 +8326,7 @@
                   </a:schemeClr>
                 </a:solidFill>
               </a:rPr>
-              <a:t> </a:t>
-            </a:r>
-            <a:r>
-              <a:rPr lang="en-US" dirty="0" smtClean="0">
-                <a:solidFill>
-                  <a:schemeClr val="bg1">
-                    <a:lumMod val="95000"/>
-                  </a:schemeClr>
-                </a:solidFill>
-              </a:rPr>
-              <a:t>– </a:t>
+              <a:t> – </a:t>
             </a:r>
             <a:r>
               <a:rPr lang="bg-BG" dirty="0" smtClean="0">

--- a/06-Arrays.pptx
+++ b/06-Arrays.pptx
@@ -23,9 +23,9 @@
     <p:sldId id="309" r:id="rId14"/>
     <p:sldId id="321" r:id="rId15"/>
     <p:sldId id="310" r:id="rId16"/>
-    <p:sldId id="330" r:id="rId17"/>
-    <p:sldId id="268" r:id="rId18"/>
-    <p:sldId id="333" r:id="rId19"/>
+    <p:sldId id="268" r:id="rId17"/>
+    <p:sldId id="333" r:id="rId18"/>
+    <p:sldId id="349" r:id="rId19"/>
   </p:sldIdLst>
   <p:sldSz cx="9144000" cy="6858000" type="screen4x3"/>
   <p:notesSz cx="6858000" cy="9144000"/>
@@ -225,7 +225,7 @@
           <a:p>
             <a:fld id="{1A052DDE-B79B-4585-97B6-DCDE6083B029}" type="datetimeFigureOut">
               <a:rPr lang="bg-BG" smtClean="0"/>
-              <a:t>29.10.2015 г.</a:t>
+              <a:t>15.3.2016 г.</a:t>
             </a:fld>
             <a:endParaRPr lang="bg-BG"/>
           </a:p>
@@ -758,7 +758,7 @@
           <a:p>
             <a:fld id="{3EA744D9-3FBE-48D8-BF2A-85DF203E4D20}" type="datetimeFigureOut">
               <a:rPr lang="bg-BG" smtClean="0"/>
-              <a:t>29.10.2015 г.</a:t>
+              <a:t>15.3.2016 г.</a:t>
             </a:fld>
             <a:endParaRPr lang="bg-BG"/>
           </a:p>
@@ -928,7 +928,7 @@
           <a:p>
             <a:fld id="{3EA744D9-3FBE-48D8-BF2A-85DF203E4D20}" type="datetimeFigureOut">
               <a:rPr lang="bg-BG" smtClean="0"/>
-              <a:t>29.10.2015 г.</a:t>
+              <a:t>15.3.2016 г.</a:t>
             </a:fld>
             <a:endParaRPr lang="bg-BG"/>
           </a:p>
@@ -1108,7 +1108,7 @@
           <a:p>
             <a:fld id="{3EA744D9-3FBE-48D8-BF2A-85DF203E4D20}" type="datetimeFigureOut">
               <a:rPr lang="bg-BG" smtClean="0"/>
-              <a:t>29.10.2015 г.</a:t>
+              <a:t>15.3.2016 г.</a:t>
             </a:fld>
             <a:endParaRPr lang="bg-BG"/>
           </a:p>
@@ -1278,7 +1278,7 @@
           <a:p>
             <a:fld id="{3EA744D9-3FBE-48D8-BF2A-85DF203E4D20}" type="datetimeFigureOut">
               <a:rPr lang="bg-BG" smtClean="0"/>
-              <a:t>29.10.2015 г.</a:t>
+              <a:t>15.3.2016 г.</a:t>
             </a:fld>
             <a:endParaRPr lang="bg-BG"/>
           </a:p>
@@ -1524,7 +1524,7 @@
           <a:p>
             <a:fld id="{3EA744D9-3FBE-48D8-BF2A-85DF203E4D20}" type="datetimeFigureOut">
               <a:rPr lang="bg-BG" smtClean="0"/>
-              <a:t>29.10.2015 г.</a:t>
+              <a:t>15.3.2016 г.</a:t>
             </a:fld>
             <a:endParaRPr lang="bg-BG"/>
           </a:p>
@@ -1812,7 +1812,7 @@
           <a:p>
             <a:fld id="{3EA744D9-3FBE-48D8-BF2A-85DF203E4D20}" type="datetimeFigureOut">
               <a:rPr lang="bg-BG" smtClean="0"/>
-              <a:t>29.10.2015 г.</a:t>
+              <a:t>15.3.2016 г.</a:t>
             </a:fld>
             <a:endParaRPr lang="bg-BG"/>
           </a:p>
@@ -2234,7 +2234,7 @@
           <a:p>
             <a:fld id="{3EA744D9-3FBE-48D8-BF2A-85DF203E4D20}" type="datetimeFigureOut">
               <a:rPr lang="bg-BG" smtClean="0"/>
-              <a:t>29.10.2015 г.</a:t>
+              <a:t>15.3.2016 г.</a:t>
             </a:fld>
             <a:endParaRPr lang="bg-BG"/>
           </a:p>
@@ -2352,7 +2352,7 @@
           <a:p>
             <a:fld id="{3EA744D9-3FBE-48D8-BF2A-85DF203E4D20}" type="datetimeFigureOut">
               <a:rPr lang="bg-BG" smtClean="0"/>
-              <a:t>29.10.2015 г.</a:t>
+              <a:t>15.3.2016 г.</a:t>
             </a:fld>
             <a:endParaRPr lang="bg-BG"/>
           </a:p>
@@ -2447,7 +2447,7 @@
           <a:p>
             <a:fld id="{3EA744D9-3FBE-48D8-BF2A-85DF203E4D20}" type="datetimeFigureOut">
               <a:rPr lang="bg-BG" smtClean="0"/>
-              <a:t>29.10.2015 г.</a:t>
+              <a:t>15.3.2016 г.</a:t>
             </a:fld>
             <a:endParaRPr lang="bg-BG"/>
           </a:p>
@@ -2724,7 +2724,7 @@
           <a:p>
             <a:fld id="{3EA744D9-3FBE-48D8-BF2A-85DF203E4D20}" type="datetimeFigureOut">
               <a:rPr lang="bg-BG" smtClean="0"/>
-              <a:t>29.10.2015 г.</a:t>
+              <a:t>15.3.2016 г.</a:t>
             </a:fld>
             <a:endParaRPr lang="bg-BG"/>
           </a:p>
@@ -2977,7 +2977,7 @@
           <a:p>
             <a:fld id="{3EA744D9-3FBE-48D8-BF2A-85DF203E4D20}" type="datetimeFigureOut">
               <a:rPr lang="bg-BG" smtClean="0"/>
-              <a:t>29.10.2015 г.</a:t>
+              <a:t>15.3.2016 г.</a:t>
             </a:fld>
             <a:endParaRPr lang="bg-BG"/>
           </a:p>
@@ -3199,7 +3199,7 @@
           <a:p>
             <a:fld id="{3EA744D9-3FBE-48D8-BF2A-85DF203E4D20}" type="datetimeFigureOut">
               <a:rPr lang="bg-BG" smtClean="0"/>
-              <a:t>29.10.2015 г.</a:t>
+              <a:t>15.3.2016 г.</a:t>
             </a:fld>
             <a:endParaRPr lang="bg-BG"/>
           </a:p>
@@ -4803,228 +4803,6 @@
                   <a:schemeClr val="accent6"/>
                 </a:solidFill>
               </a:rPr>
-              <a:t>Задачи</a:t>
-            </a:r>
-            <a:endParaRPr lang="bg-BG" dirty="0">
-              <a:solidFill>
-                <a:schemeClr val="accent6"/>
-              </a:solidFill>
-            </a:endParaRPr>
-          </a:p>
-        </p:txBody>
-      </p:sp>
-      <p:sp>
-        <p:nvSpPr>
-          <p:cNvPr id="3" name="Content Placeholder 2"/>
-          <p:cNvSpPr>
-            <a:spLocks noGrp="1"/>
-          </p:cNvSpPr>
-          <p:nvPr>
-            <p:ph idx="1"/>
-          </p:nvPr>
-        </p:nvSpPr>
-        <p:spPr>
-          <a:xfrm>
-            <a:off x="762000" y="1676400"/>
-            <a:ext cx="7620000" cy="4525963"/>
-          </a:xfrm>
-        </p:spPr>
-        <p:txBody>
-          <a:bodyPr>
-            <a:normAutofit/>
-          </a:bodyPr>
-          <a:lstStyle/>
-          <a:p>
-            <a:pPr marL="0" indent="0">
-              <a:buNone/>
-            </a:pPr>
-            <a:r>
-              <a:rPr lang="bg-BG" dirty="0">
-                <a:solidFill>
-                  <a:schemeClr val="bg1">
-                    <a:lumMod val="95000"/>
-                  </a:schemeClr>
-                </a:solidFill>
-              </a:rPr>
-              <a:t>Прекопирайте един масив от цели числа в друг масив. </a:t>
-            </a:r>
-          </a:p>
-          <a:p>
-            <a:pPr marL="0" indent="0">
-              <a:buNone/>
-            </a:pPr>
-            <a:endParaRPr lang="en-US" dirty="0" smtClean="0">
-              <a:solidFill>
-                <a:schemeClr val="bg1">
-                  <a:lumMod val="95000"/>
-                </a:schemeClr>
-              </a:solidFill>
-            </a:endParaRPr>
-          </a:p>
-          <a:p>
-            <a:pPr marL="0" indent="0">
-              <a:buNone/>
-            </a:pPr>
-            <a:r>
-              <a:rPr lang="bg-BG" dirty="0">
-                <a:solidFill>
-                  <a:schemeClr val="bg1">
-                    <a:lumMod val="95000"/>
-                  </a:schemeClr>
-                </a:solidFill>
-              </a:rPr>
-              <a:t>Напишете програма, която обръща стойностите на един масив.</a:t>
-            </a:r>
-          </a:p>
-          <a:p>
-            <a:pPr marL="0" indent="0">
-              <a:buNone/>
-            </a:pPr>
-            <a:endParaRPr lang="en-US" dirty="0" smtClean="0">
-              <a:solidFill>
-                <a:schemeClr val="bg1">
-                  <a:lumMod val="95000"/>
-                </a:schemeClr>
-              </a:solidFill>
-            </a:endParaRPr>
-          </a:p>
-          <a:p>
-            <a:pPr marL="0" indent="0">
-              <a:buNone/>
-            </a:pPr>
-            <a:r>
-              <a:rPr lang="bg-BG" dirty="0" smtClean="0">
-                <a:solidFill>
-                  <a:schemeClr val="bg1">
-                    <a:lumMod val="95000"/>
-                  </a:schemeClr>
-                </a:solidFill>
-              </a:rPr>
-              <a:t>Напишете програма</a:t>
-            </a:r>
-            <a:r>
-              <a:rPr lang="en-US" dirty="0" smtClean="0">
-                <a:solidFill>
-                  <a:schemeClr val="bg1">
-                    <a:lumMod val="95000"/>
-                  </a:schemeClr>
-                </a:solidFill>
-              </a:rPr>
-              <a:t>, </a:t>
-            </a:r>
-            <a:r>
-              <a:rPr lang="bg-BG" dirty="0" smtClean="0">
-                <a:solidFill>
-                  <a:schemeClr val="bg1">
-                    <a:lumMod val="95000"/>
-                  </a:schemeClr>
-                </a:solidFill>
-              </a:rPr>
-              <a:t>която проверява дали един масив е симетричен.</a:t>
-            </a:r>
-          </a:p>
-          <a:p>
-            <a:pPr marL="0" indent="0">
-              <a:buNone/>
-            </a:pPr>
-            <a:endParaRPr lang="bg-BG" dirty="0">
-              <a:solidFill>
-                <a:schemeClr val="bg1">
-                  <a:lumMod val="95000"/>
-                </a:schemeClr>
-              </a:solidFill>
-            </a:endParaRPr>
-          </a:p>
-          <a:p>
-            <a:pPr marL="0" indent="0">
-              <a:buNone/>
-            </a:pPr>
-            <a:endParaRPr lang="bg-BG" dirty="0">
-              <a:solidFill>
-                <a:schemeClr val="bg1">
-                  <a:lumMod val="95000"/>
-                </a:schemeClr>
-              </a:solidFill>
-            </a:endParaRPr>
-          </a:p>
-          <a:p>
-            <a:pPr marL="0" indent="0">
-              <a:buNone/>
-            </a:pPr>
-            <a:endParaRPr lang="bg-BG" dirty="0" smtClean="0">
-              <a:solidFill>
-                <a:schemeClr val="bg1">
-                  <a:lumMod val="95000"/>
-                </a:schemeClr>
-              </a:solidFill>
-            </a:endParaRPr>
-          </a:p>
-        </p:txBody>
-      </p:sp>
-    </p:spTree>
-    <p:extLst>
-      <p:ext uri="{BB962C8B-B14F-4D97-AF65-F5344CB8AC3E}">
-        <p14:creationId xmlns:p14="http://schemas.microsoft.com/office/powerpoint/2010/main" val="1731977221"/>
-      </p:ext>
-    </p:extLst>
-  </p:cSld>
-  <p:clrMapOvr>
-    <a:masterClrMapping/>
-  </p:clrMapOvr>
-  <p:timing>
-    <p:tnLst>
-      <p:par>
-        <p:cTn id="1" dur="indefinite" restart="never" nodeType="tmRoot"/>
-      </p:par>
-    </p:tnLst>
-  </p:timing>
-</p:sld>
-</file>
-
-<file path=ppt/slides/slide17.xml><?xml version="1.0" encoding="utf-8"?>
-<p:sld xmlns:a="http://schemas.openxmlformats.org/drawingml/2006/main" xmlns:r="http://schemas.openxmlformats.org/officeDocument/2006/relationships" xmlns:p="http://schemas.openxmlformats.org/presentationml/2006/main">
-  <p:cSld>
-    <p:spTree>
-      <p:nvGrpSpPr>
-        <p:cNvPr id="1" name=""/>
-        <p:cNvGrpSpPr/>
-        <p:nvPr/>
-      </p:nvGrpSpPr>
-      <p:grpSpPr>
-        <a:xfrm>
-          <a:off x="0" y="0"/>
-          <a:ext cx="0" cy="0"/>
-          <a:chOff x="0" y="0"/>
-          <a:chExt cx="0" cy="0"/>
-        </a:xfrm>
-      </p:grpSpPr>
-      <p:sp>
-        <p:nvSpPr>
-          <p:cNvPr id="2" name="Title 1"/>
-          <p:cNvSpPr>
-            <a:spLocks noGrp="1"/>
-          </p:cNvSpPr>
-          <p:nvPr>
-            <p:ph type="title"/>
-          </p:nvPr>
-        </p:nvSpPr>
-        <p:spPr>
-          <a:xfrm>
-            <a:off x="838200" y="685800"/>
-            <a:ext cx="8229600" cy="1143000"/>
-          </a:xfrm>
-        </p:spPr>
-        <p:txBody>
-          <a:bodyPr/>
-          <a:lstStyle/>
-          <a:p>
-            <a:pPr algn="l"/>
-            <a:r>
-              <a:rPr lang="bg-BG" dirty="0" smtClean="0">
-                <a:solidFill>
-                  <a:schemeClr val="accent6"/>
-                </a:solidFill>
-              </a:rPr>
               <a:t>Въпроси</a:t>
             </a:r>
             <a:endParaRPr lang="bg-BG" dirty="0">
@@ -5164,6 +4942,341 @@
 </p:sld>
 </file>
 
+<file path=ppt/slides/slide17.xml><?xml version="1.0" encoding="utf-8"?>
+<p:sld xmlns:a="http://schemas.openxmlformats.org/drawingml/2006/main" xmlns:r="http://schemas.openxmlformats.org/officeDocument/2006/relationships" xmlns:p="http://schemas.openxmlformats.org/presentationml/2006/main">
+  <p:cSld>
+    <p:spTree>
+      <p:nvGrpSpPr>
+        <p:cNvPr id="1" name=""/>
+        <p:cNvGrpSpPr/>
+        <p:nvPr/>
+      </p:nvGrpSpPr>
+      <p:grpSpPr>
+        <a:xfrm>
+          <a:off x="0" y="0"/>
+          <a:ext cx="0" cy="0"/>
+          <a:chOff x="0" y="0"/>
+          <a:chExt cx="0" cy="0"/>
+        </a:xfrm>
+      </p:grpSpPr>
+      <p:sp>
+        <p:nvSpPr>
+          <p:cNvPr id="2" name="Title 1"/>
+          <p:cNvSpPr>
+            <a:spLocks noGrp="1"/>
+          </p:cNvSpPr>
+          <p:nvPr>
+            <p:ph type="title"/>
+          </p:nvPr>
+        </p:nvSpPr>
+        <p:spPr>
+          <a:xfrm>
+            <a:off x="838200" y="685800"/>
+            <a:ext cx="8229600" cy="1143000"/>
+          </a:xfrm>
+        </p:spPr>
+        <p:txBody>
+          <a:bodyPr/>
+          <a:lstStyle/>
+          <a:p>
+            <a:pPr algn="l"/>
+            <a:r>
+              <a:rPr lang="bg-BG" dirty="0" smtClean="0">
+                <a:solidFill>
+                  <a:schemeClr val="accent6"/>
+                </a:solidFill>
+              </a:rPr>
+              <a:t>Задачи за домашна работа</a:t>
+            </a:r>
+            <a:endParaRPr lang="bg-BG" dirty="0">
+              <a:solidFill>
+                <a:schemeClr val="accent6"/>
+              </a:solidFill>
+            </a:endParaRPr>
+          </a:p>
+        </p:txBody>
+      </p:sp>
+      <p:sp>
+        <p:nvSpPr>
+          <p:cNvPr id="3" name="Content Placeholder 2"/>
+          <p:cNvSpPr>
+            <a:spLocks noGrp="1"/>
+          </p:cNvSpPr>
+          <p:nvPr>
+            <p:ph idx="1"/>
+          </p:nvPr>
+        </p:nvSpPr>
+        <p:spPr>
+          <a:xfrm>
+            <a:off x="762000" y="1676400"/>
+            <a:ext cx="7620000" cy="4876800"/>
+          </a:xfrm>
+        </p:spPr>
+        <p:txBody>
+          <a:bodyPr>
+            <a:noAutofit/>
+          </a:bodyPr>
+          <a:lstStyle/>
+          <a:p>
+            <a:pPr>
+              <a:buFont typeface="Wingdings" panose="05000000000000000000" pitchFamily="2" charset="2"/>
+              <a:buChar char="§"/>
+            </a:pPr>
+            <a:r>
+              <a:rPr lang="bg-BG" sz="2400" dirty="0" smtClean="0">
+                <a:solidFill>
+                  <a:schemeClr val="bg1">
+                    <a:lumMod val="95000"/>
+                  </a:schemeClr>
+                </a:solidFill>
+              </a:rPr>
+              <a:t>Напишете програма, която намира сбора на всичките четни елементи в масив.</a:t>
+            </a:r>
+          </a:p>
+          <a:p>
+            <a:pPr>
+              <a:buFont typeface="Wingdings" panose="05000000000000000000" pitchFamily="2" charset="2"/>
+              <a:buChar char="§"/>
+            </a:pPr>
+            <a:r>
+              <a:rPr lang="bg-BG" sz="2400" dirty="0" smtClean="0">
+                <a:solidFill>
+                  <a:schemeClr val="bg1">
+                    <a:lumMod val="95000"/>
+                  </a:schemeClr>
+                </a:solidFill>
+              </a:rPr>
+              <a:t>Напишете програма, която попълва числата на </a:t>
+            </a:r>
+            <a:r>
+              <a:rPr lang="bg-BG" sz="2400" dirty="0" err="1" smtClean="0">
+                <a:solidFill>
+                  <a:schemeClr val="bg1">
+                    <a:lumMod val="95000"/>
+                  </a:schemeClr>
+                </a:solidFill>
+              </a:rPr>
+              <a:t>Фибоначи</a:t>
+            </a:r>
+            <a:r>
+              <a:rPr lang="bg-BG" sz="2400" dirty="0" smtClean="0">
+                <a:solidFill>
+                  <a:schemeClr val="bg1">
+                    <a:lumMod val="95000"/>
+                  </a:schemeClr>
+                </a:solidFill>
+              </a:rPr>
+              <a:t> в масив. Потребител въвежда колко да е голям масива.</a:t>
+            </a:r>
+          </a:p>
+          <a:p>
+            <a:pPr>
+              <a:buFont typeface="Wingdings" panose="05000000000000000000" pitchFamily="2" charset="2"/>
+              <a:buChar char="§"/>
+            </a:pPr>
+            <a:r>
+              <a:rPr lang="bg-BG" sz="2400" dirty="0" smtClean="0">
+                <a:solidFill>
+                  <a:schemeClr val="bg1">
+                    <a:lumMod val="95000"/>
+                  </a:schemeClr>
+                </a:solidFill>
+              </a:rPr>
+              <a:t>Напишете програма</a:t>
+            </a:r>
+            <a:r>
+              <a:rPr lang="en-US" sz="2400" dirty="0" smtClean="0">
+                <a:solidFill>
+                  <a:schemeClr val="bg1">
+                    <a:lumMod val="95000"/>
+                  </a:schemeClr>
+                </a:solidFill>
+              </a:rPr>
+              <a:t>,</a:t>
+            </a:r>
+            <a:r>
+              <a:rPr lang="bg-BG" sz="2400" dirty="0" smtClean="0">
+                <a:solidFill>
+                  <a:schemeClr val="bg1">
+                    <a:lumMod val="95000"/>
+                  </a:schemeClr>
+                </a:solidFill>
+              </a:rPr>
+              <a:t> която създава масив с 10 елемента от целочислен тип и инициализира елементите със стойност индекса  умножен по 10.</a:t>
+            </a:r>
+            <a:endParaRPr lang="ru-RU" sz="2400" dirty="0">
+              <a:solidFill>
+                <a:schemeClr val="bg1">
+                  <a:lumMod val="95000"/>
+                </a:schemeClr>
+              </a:solidFill>
+            </a:endParaRPr>
+          </a:p>
+          <a:p>
+            <a:pPr>
+              <a:buFont typeface="Wingdings" panose="05000000000000000000" pitchFamily="2" charset="2"/>
+              <a:buChar char="§"/>
+            </a:pPr>
+            <a:r>
+              <a:rPr lang="ru-RU" sz="2400" dirty="0" smtClean="0">
+                <a:solidFill>
+                  <a:schemeClr val="bg1">
+                    <a:lumMod val="95000"/>
+                  </a:schemeClr>
+                </a:solidFill>
+              </a:rPr>
+              <a:t>Напишете </a:t>
+            </a:r>
+            <a:r>
+              <a:rPr lang="ru-RU" sz="2400" dirty="0" err="1" smtClean="0">
+                <a:solidFill>
+                  <a:schemeClr val="bg1">
+                    <a:lumMod val="95000"/>
+                  </a:schemeClr>
+                </a:solidFill>
+              </a:rPr>
+              <a:t>програма</a:t>
+            </a:r>
+            <a:r>
+              <a:rPr lang="ru-RU" sz="2400" dirty="0" smtClean="0">
+                <a:solidFill>
+                  <a:schemeClr val="bg1">
+                    <a:lumMod val="95000"/>
+                  </a:schemeClr>
+                </a:solidFill>
+              </a:rPr>
+              <a:t>, </a:t>
+            </a:r>
+            <a:r>
+              <a:rPr lang="ru-RU" sz="2400" dirty="0" err="1" smtClean="0">
+                <a:solidFill>
+                  <a:schemeClr val="bg1">
+                    <a:lumMod val="95000"/>
+                  </a:schemeClr>
+                </a:solidFill>
+              </a:rPr>
+              <a:t>която</a:t>
+            </a:r>
+            <a:r>
+              <a:rPr lang="ru-RU" sz="2400" dirty="0" smtClean="0">
+                <a:solidFill>
+                  <a:schemeClr val="bg1">
+                    <a:lumMod val="95000"/>
+                  </a:schemeClr>
+                </a:solidFill>
+              </a:rPr>
+              <a:t> </a:t>
+            </a:r>
+            <a:r>
+              <a:rPr lang="ru-RU" sz="2400" dirty="0" err="1" smtClean="0">
+                <a:solidFill>
+                  <a:schemeClr val="bg1">
+                    <a:lumMod val="95000"/>
+                  </a:schemeClr>
+                </a:solidFill>
+              </a:rPr>
+              <a:t>търси</a:t>
+            </a:r>
+            <a:r>
+              <a:rPr lang="ru-RU" sz="2400" dirty="0" smtClean="0">
+                <a:solidFill>
+                  <a:schemeClr val="bg1">
+                    <a:lumMod val="95000"/>
+                  </a:schemeClr>
+                </a:solidFill>
+              </a:rPr>
+              <a:t> число в </a:t>
+            </a:r>
+            <a:r>
+              <a:rPr lang="ru-RU" sz="2400" dirty="0" err="1" smtClean="0">
+                <a:solidFill>
+                  <a:schemeClr val="bg1">
+                    <a:lumMod val="95000"/>
+                  </a:schemeClr>
+                </a:solidFill>
+              </a:rPr>
+              <a:t>масив</a:t>
+            </a:r>
+            <a:r>
+              <a:rPr lang="ru-RU" sz="2400" dirty="0" smtClean="0">
+                <a:solidFill>
+                  <a:schemeClr val="bg1">
+                    <a:lumMod val="95000"/>
+                  </a:schemeClr>
+                </a:solidFill>
+              </a:rPr>
+              <a:t> от числа и </a:t>
+            </a:r>
+            <a:r>
+              <a:rPr lang="ru-RU" sz="2400" dirty="0" err="1" smtClean="0">
+                <a:solidFill>
+                  <a:schemeClr val="bg1">
+                    <a:lumMod val="95000"/>
+                  </a:schemeClr>
+                </a:solidFill>
+              </a:rPr>
+              <a:t>връща</a:t>
+            </a:r>
+            <a:r>
+              <a:rPr lang="ru-RU" sz="2400" dirty="0" smtClean="0">
+                <a:solidFill>
+                  <a:schemeClr val="bg1">
+                    <a:lumMod val="95000"/>
+                  </a:schemeClr>
+                </a:solidFill>
+              </a:rPr>
+              <a:t> индекса на </a:t>
+            </a:r>
+            <a:r>
+              <a:rPr lang="ru-RU" sz="2400" dirty="0" err="1" smtClean="0">
+                <a:solidFill>
+                  <a:schemeClr val="bg1">
+                    <a:lumMod val="95000"/>
+                  </a:schemeClr>
+                </a:solidFill>
+              </a:rPr>
+              <a:t>първото</a:t>
+            </a:r>
+            <a:r>
+              <a:rPr lang="ru-RU" sz="2400" dirty="0" smtClean="0">
+                <a:solidFill>
+                  <a:schemeClr val="bg1">
+                    <a:lumMod val="95000"/>
+                  </a:schemeClr>
+                </a:solidFill>
+              </a:rPr>
+              <a:t> намерено число.</a:t>
+            </a:r>
+            <a:endParaRPr lang="ru-RU" sz="2400" dirty="0">
+              <a:solidFill>
+                <a:schemeClr val="bg1">
+                  <a:lumMod val="95000"/>
+                </a:schemeClr>
+              </a:solidFill>
+            </a:endParaRPr>
+          </a:p>
+        </p:txBody>
+      </p:sp>
+    </p:spTree>
+    <p:extLst>
+      <p:ext uri="{BB962C8B-B14F-4D97-AF65-F5344CB8AC3E}">
+        <p14:creationId xmlns:p14="http://schemas.microsoft.com/office/powerpoint/2010/main" val="561114716"/>
+      </p:ext>
+    </p:extLst>
+  </p:cSld>
+  <p:clrMapOvr>
+    <a:masterClrMapping/>
+  </p:clrMapOvr>
+  <p:timing>
+    <p:tnLst>
+      <p:par>
+        <p:cTn id="1" dur="indefinite" restart="never" nodeType="tmRoot"/>
+      </p:par>
+    </p:tnLst>
+  </p:timing>
+</p:sld>
+</file>
+
 <file path=ppt/slides/slide18.xml><?xml version="1.0" encoding="utf-8"?>
 <p:sld xmlns:a="http://schemas.openxmlformats.org/drawingml/2006/main" xmlns:r="http://schemas.openxmlformats.org/officeDocument/2006/relationships" xmlns:p="http://schemas.openxmlformats.org/presentationml/2006/main">
   <p:cSld>
@@ -5245,14 +5358,14 @@
               <a:buChar char="§"/>
             </a:pPr>
             <a:r>
-              <a:rPr lang="bg-BG" sz="2400" dirty="0" smtClean="0">
-                <a:solidFill>
-                  <a:schemeClr val="bg1">
-                    <a:lumMod val="95000"/>
-                  </a:schemeClr>
-                </a:solidFill>
-              </a:rPr>
-              <a:t>Напишете програма, която намира сбора на всичките четни елементи в масив.</a:t>
+              <a:rPr lang="bg-BG" sz="2400" dirty="0">
+                <a:solidFill>
+                  <a:schemeClr val="bg1">
+                    <a:lumMod val="95000"/>
+                  </a:schemeClr>
+                </a:solidFill>
+              </a:rPr>
+              <a:t>Прекопирайте един масив от цели числа в друг масив. </a:t>
             </a:r>
           </a:p>
           <a:p>
@@ -5260,73 +5373,7 @@
               <a:buFont typeface="Wingdings" panose="05000000000000000000" pitchFamily="2" charset="2"/>
               <a:buChar char="§"/>
             </a:pPr>
-            <a:r>
-              <a:rPr lang="bg-BG" sz="2400" dirty="0" smtClean="0">
-                <a:solidFill>
-                  <a:schemeClr val="bg1">
-                    <a:lumMod val="95000"/>
-                  </a:schemeClr>
-                </a:solidFill>
-              </a:rPr>
-              <a:t>Напишете програма, която попълва числата на </a:t>
-            </a:r>
-            <a:r>
-              <a:rPr lang="bg-BG" sz="2400" dirty="0" err="1" smtClean="0">
-                <a:solidFill>
-                  <a:schemeClr val="bg1">
-                    <a:lumMod val="95000"/>
-                  </a:schemeClr>
-                </a:solidFill>
-              </a:rPr>
-              <a:t>Фибоначи</a:t>
-            </a:r>
-            <a:r>
-              <a:rPr lang="bg-BG" sz="2400" dirty="0" smtClean="0">
-                <a:solidFill>
-                  <a:schemeClr val="bg1">
-                    <a:lumMod val="95000"/>
-                  </a:schemeClr>
-                </a:solidFill>
-              </a:rPr>
-              <a:t> в масив. Потребител въвежда колко да е голям масива.</a:t>
-            </a:r>
-          </a:p>
-          <a:p>
-            <a:pPr>
-              <a:buFont typeface="Wingdings" panose="05000000000000000000" pitchFamily="2" charset="2"/>
-              <a:buChar char="§"/>
-            </a:pPr>
-            <a:r>
-              <a:rPr lang="bg-BG" sz="2400" dirty="0" smtClean="0">
-                <a:solidFill>
-                  <a:schemeClr val="bg1">
-                    <a:lumMod val="95000"/>
-                  </a:schemeClr>
-                </a:solidFill>
-              </a:rPr>
-              <a:t>Напишете програма</a:t>
-            </a:r>
-            <a:r>
-              <a:rPr lang="en-US" sz="2400" dirty="0" smtClean="0">
-                <a:solidFill>
-                  <a:schemeClr val="bg1">
-                    <a:lumMod val="95000"/>
-                  </a:schemeClr>
-                </a:solidFill>
-              </a:rPr>
-              <a:t>,</a:t>
-            </a:r>
-            <a:r>
-              <a:rPr lang="bg-BG" sz="2400" dirty="0" smtClean="0">
-                <a:solidFill>
-                  <a:schemeClr val="bg1">
-                    <a:lumMod val="95000"/>
-                  </a:schemeClr>
-                </a:solidFill>
-              </a:rPr>
-              <a:t> която създава масив с 10 елемента от целочислен тип и инициализира елементите със стойност индекса  умножен по 10.</a:t>
-            </a:r>
-            <a:endParaRPr lang="ru-RU" sz="2400" dirty="0">
+            <a:endParaRPr lang="en-US" sz="2400" dirty="0">
               <a:solidFill>
                 <a:schemeClr val="bg1">
                   <a:lumMod val="95000"/>
@@ -5340,136 +5387,22 @@
               <a:buChar char="§"/>
             </a:pPr>
             <a:r>
-              <a:rPr lang="ru-RU" sz="2400" dirty="0" smtClean="0">
-                <a:solidFill>
-                  <a:schemeClr val="bg1">
-                    <a:lumMod val="95000"/>
-                  </a:schemeClr>
-                </a:solidFill>
-              </a:rPr>
-              <a:t>Напишете </a:t>
-            </a:r>
-            <a:r>
-              <a:rPr lang="ru-RU" sz="2400" dirty="0" err="1" smtClean="0">
-                <a:solidFill>
-                  <a:schemeClr val="bg1">
-                    <a:lumMod val="95000"/>
-                  </a:schemeClr>
-                </a:solidFill>
-              </a:rPr>
-              <a:t>програма</a:t>
-            </a:r>
-            <a:r>
-              <a:rPr lang="ru-RU" sz="2400" dirty="0" smtClean="0">
-                <a:solidFill>
-                  <a:schemeClr val="bg1">
-                    <a:lumMod val="95000"/>
-                  </a:schemeClr>
-                </a:solidFill>
-              </a:rPr>
-              <a:t>, </a:t>
-            </a:r>
-            <a:r>
-              <a:rPr lang="ru-RU" sz="2400" dirty="0" err="1" smtClean="0">
-                <a:solidFill>
-                  <a:schemeClr val="bg1">
-                    <a:lumMod val="95000"/>
-                  </a:schemeClr>
-                </a:solidFill>
-              </a:rPr>
-              <a:t>която</a:t>
-            </a:r>
-            <a:r>
-              <a:rPr lang="ru-RU" sz="2400" dirty="0" smtClean="0">
-                <a:solidFill>
-                  <a:schemeClr val="bg1">
-                    <a:lumMod val="95000"/>
-                  </a:schemeClr>
-                </a:solidFill>
-              </a:rPr>
-              <a:t> </a:t>
-            </a:r>
-            <a:r>
-              <a:rPr lang="ru-RU" sz="2400" dirty="0" err="1" smtClean="0">
-                <a:solidFill>
-                  <a:schemeClr val="bg1">
-                    <a:lumMod val="95000"/>
-                  </a:schemeClr>
-                </a:solidFill>
-              </a:rPr>
-              <a:t>търси</a:t>
-            </a:r>
-            <a:r>
-              <a:rPr lang="ru-RU" sz="2400" dirty="0" smtClean="0">
-                <a:solidFill>
-                  <a:schemeClr val="bg1">
-                    <a:lumMod val="95000"/>
-                  </a:schemeClr>
-                </a:solidFill>
-              </a:rPr>
-              <a:t> число в </a:t>
-            </a:r>
-            <a:r>
-              <a:rPr lang="ru-RU" sz="2400" dirty="0" err="1" smtClean="0">
-                <a:solidFill>
-                  <a:schemeClr val="bg1">
-                    <a:lumMod val="95000"/>
-                  </a:schemeClr>
-                </a:solidFill>
-              </a:rPr>
-              <a:t>масив</a:t>
-            </a:r>
-            <a:r>
-              <a:rPr lang="ru-RU" sz="2400" dirty="0" smtClean="0">
-                <a:solidFill>
-                  <a:schemeClr val="bg1">
-                    <a:lumMod val="95000"/>
-                  </a:schemeClr>
-                </a:solidFill>
-              </a:rPr>
-              <a:t> от числа и </a:t>
-            </a:r>
-            <a:r>
-              <a:rPr lang="ru-RU" sz="2400" dirty="0" err="1" smtClean="0">
-                <a:solidFill>
-                  <a:schemeClr val="bg1">
-                    <a:lumMod val="95000"/>
-                  </a:schemeClr>
-                </a:solidFill>
-              </a:rPr>
-              <a:t>връща</a:t>
-            </a:r>
-            <a:r>
-              <a:rPr lang="ru-RU" sz="2400" dirty="0" smtClean="0">
-                <a:solidFill>
-                  <a:schemeClr val="bg1">
-                    <a:lumMod val="95000"/>
-                  </a:schemeClr>
-                </a:solidFill>
-              </a:rPr>
-              <a:t> индекса на </a:t>
-            </a:r>
-            <a:r>
-              <a:rPr lang="ru-RU" sz="2400" dirty="0" err="1" smtClean="0">
-                <a:solidFill>
-                  <a:schemeClr val="bg1">
-                    <a:lumMod val="95000"/>
-                  </a:schemeClr>
-                </a:solidFill>
-              </a:rPr>
-              <a:t>първото</a:t>
-            </a:r>
-            <a:r>
-              <a:rPr lang="ru-RU" sz="2400" dirty="0" smtClean="0">
-                <a:solidFill>
-                  <a:schemeClr val="bg1">
-                    <a:lumMod val="95000"/>
-                  </a:schemeClr>
-                </a:solidFill>
-              </a:rPr>
-              <a:t> намерено число.</a:t>
-            </a:r>
-            <a:endParaRPr lang="ru-RU" sz="2400" dirty="0">
+              <a:rPr lang="bg-BG" sz="2400" dirty="0">
+                <a:solidFill>
+                  <a:schemeClr val="bg1">
+                    <a:lumMod val="95000"/>
+                  </a:schemeClr>
+                </a:solidFill>
+              </a:rPr>
+              <a:t>Напишете програма, която обръща стойностите на един масив.</a:t>
+            </a:r>
+          </a:p>
+          <a:p>
+            <a:pPr>
+              <a:buFont typeface="Wingdings" panose="05000000000000000000" pitchFamily="2" charset="2"/>
+              <a:buChar char="§"/>
+            </a:pPr>
+            <a:endParaRPr lang="en-US" sz="2400" dirty="0">
               <a:solidFill>
                 <a:schemeClr val="bg1">
                   <a:lumMod val="95000"/>
@@ -5477,12 +5410,48 @@
               </a:solidFill>
             </a:endParaRPr>
           </a:p>
+          <a:p>
+            <a:pPr>
+              <a:buFont typeface="Wingdings" panose="05000000000000000000" pitchFamily="2" charset="2"/>
+              <a:buChar char="§"/>
+            </a:pPr>
+            <a:r>
+              <a:rPr lang="bg-BG" sz="2400" dirty="0">
+                <a:solidFill>
+                  <a:schemeClr val="bg1">
+                    <a:lumMod val="95000"/>
+                  </a:schemeClr>
+                </a:solidFill>
+              </a:rPr>
+              <a:t>Напишете програма</a:t>
+            </a:r>
+            <a:r>
+              <a:rPr lang="en-US" sz="2400" dirty="0">
+                <a:solidFill>
+                  <a:schemeClr val="bg1">
+                    <a:lumMod val="95000"/>
+                  </a:schemeClr>
+                </a:solidFill>
+              </a:rPr>
+              <a:t>, </a:t>
+            </a:r>
+            <a:r>
+              <a:rPr lang="bg-BG" sz="2400" dirty="0">
+                <a:solidFill>
+                  <a:schemeClr val="bg1">
+                    <a:lumMod val="95000"/>
+                  </a:schemeClr>
+                </a:solidFill>
+              </a:rPr>
+              <a:t>която проверява дали един масив е симетричен.</a:t>
+            </a:r>
+          </a:p>
         </p:txBody>
       </p:sp>
     </p:spTree>
     <p:extLst>
       <p:ext uri="{BB962C8B-B14F-4D97-AF65-F5344CB8AC3E}">
-        <p14:creationId xmlns:p14="http://schemas.microsoft.com/office/powerpoint/2010/main" val="561114716"/>
+        <p14:creationId xmlns:p14="http://schemas.microsoft.com/office/powerpoint/2010/main" val="2220756178"/>
       </p:ext>
     </p:extLst>
   </p:cSld>
